--- a/Syllabus/Lecture21/Lec21.pptx
+++ b/Syllabus/Lecture21/Lec21.pptx
@@ -5,10 +5,10 @@
     <p:sldMasterId id="2147483664" r:id="rId1"/>
   </p:sldMasterIdLst>
   <p:notesMasterIdLst>
-    <p:notesMasterId r:id="rId59"/>
+    <p:notesMasterId r:id="rId58"/>
   </p:notesMasterIdLst>
   <p:handoutMasterIdLst>
-    <p:handoutMasterId r:id="rId60"/>
+    <p:handoutMasterId r:id="rId59"/>
   </p:handoutMasterIdLst>
   <p:sldIdLst>
     <p:sldId id="266" r:id="rId2"/>
@@ -65,9 +65,8 @@
     <p:sldId id="1581" r:id="rId53"/>
     <p:sldId id="1556" r:id="rId54"/>
     <p:sldId id="1557" r:id="rId55"/>
-    <p:sldId id="1545" r:id="rId56"/>
-    <p:sldId id="1444" r:id="rId57"/>
-    <p:sldId id="410" r:id="rId58"/>
+    <p:sldId id="1444" r:id="rId56"/>
+    <p:sldId id="410" r:id="rId57"/>
   </p:sldIdLst>
   <p:sldSz cx="12192000" cy="6858000"/>
   <p:notesSz cx="6858000" cy="9144000"/>
@@ -225,7 +224,6 @@
             <p14:sldId id="1581"/>
             <p14:sldId id="1556"/>
             <p14:sldId id="1557"/>
-            <p14:sldId id="1545"/>
             <p14:sldId id="1444"/>
             <p14:sldId id="410"/>
           </p14:sldIdLst>
@@ -347,7 +345,7 @@
           <a:p>
             <a:fld id="{DF9C6931-D0F6-AB40-9D7F-95567148A5C2}" type="datetimeFigureOut">
               <a:rPr lang="en-US" smtClean="0"/>
-              <a:t>11/2/21</a:t>
+              <a:t>11/4/21</a:t>
             </a:fld>
             <a:endParaRPr lang="en-US"/>
           </a:p>
@@ -524,7 +522,7 @@
           <a:p>
             <a:fld id="{736C18F2-6801-5147-A332-A6E1C7D69D18}" type="datetimeFigureOut">
               <a:rPr lang="en-US" smtClean="0"/>
-              <a:t>11/2/21</a:t>
+              <a:t>11/4/21</a:t>
             </a:fld>
             <a:endParaRPr lang="en-US"/>
           </a:p>
@@ -12687,6 +12685,13 @@
             </a:r>
           </a:p>
           <a:p>
+            <a:pPr marL="342900" indent="-342900">
+              <a:buFont typeface="Arial" panose="020B0604020202020204" pitchFamily="34" charset="0"/>
+              <a:buChar char="•"/>
+            </a:pPr>
+            <a:endParaRPr lang="en-US" dirty="0"/>
+          </a:p>
+          <a:p>
             <a:r>
               <a:rPr lang="en-US" b="1" dirty="0"/>
               <a:t>Disadvantages</a:t>
@@ -12834,9 +12839,19 @@
               <a:buChar char="•"/>
             </a:pPr>
             <a:r>
+              <a:rPr lang="en-US" b="1" dirty="0"/>
+              <a:t>Disadvantages of all optimizers</a:t>
+            </a:r>
+            <a:r>
               <a:rPr lang="en-US" dirty="0"/>
-              <a:t>Disadvantages of all optimizers explained - learning rate constant for all parameters and for each cycle</a:t>
-            </a:r>
+              <a:t> - learning rate constant for all parameters and for each cycle</a:t>
+            </a:r>
+          </a:p>
+          <a:p>
+            <a:pPr marL="101598">
+              <a:buSzPts val="2400"/>
+            </a:pPr>
+            <a:endParaRPr lang="en-US" dirty="0"/>
           </a:p>
           <a:p>
             <a:pPr marL="558798" indent="-457200">
@@ -12873,197 +12888,6 @@
               <a:t>It’s a type second order optimization algorithm. It works on derivative of an error function.</a:t>
             </a:r>
             <a:endParaRPr lang="en-US" sz="3200" dirty="0"/>
-          </a:p>
-        </p:txBody>
-      </p:sp>
-      <p:pic>
-        <p:nvPicPr>
-          <p:cNvPr id="4098" name="Picture 2">
-            <a:extLst>
-              <a:ext uri="{FF2B5EF4-FFF2-40B4-BE49-F238E27FC236}">
-                <a16:creationId xmlns:a16="http://schemas.microsoft.com/office/drawing/2014/main" id="{1E0786EE-782C-E442-B6E6-216CCC684FE9}"/>
-              </a:ext>
-            </a:extLst>
-          </p:cNvPr>
-          <p:cNvPicPr>
-            <a:picLocks noChangeAspect="1" noChangeArrowheads="1"/>
-          </p:cNvPicPr>
-          <p:nvPr/>
-        </p:nvPicPr>
-        <p:blipFill>
-          <a:blip r:embed="rId2">
-            <a:extLst>
-              <a:ext uri="{28A0092B-C50C-407E-A947-70E740481C1C}">
-                <a14:useLocalDpi xmlns:a14="http://schemas.microsoft.com/office/drawing/2010/main" val="0"/>
-              </a:ext>
-            </a:extLst>
-          </a:blip>
-          <a:srcRect/>
-          <a:stretch>
-            <a:fillRect/>
-          </a:stretch>
-        </p:blipFill>
-        <p:spPr bwMode="auto">
-          <a:xfrm>
-            <a:off x="4283989" y="3908858"/>
-            <a:ext cx="2705100" cy="635000"/>
-          </a:xfrm>
-          <a:prstGeom prst="rect">
-            <a:avLst/>
-          </a:prstGeom>
-          <a:noFill/>
-          <a:ln>
-            <a:solidFill>
-              <a:schemeClr val="accent1"/>
-            </a:solidFill>
-          </a:ln>
-          <a:extLst>
-            <a:ext uri="{909E8E84-426E-40DD-AFC4-6F175D3DCCD1}">
-              <a14:hiddenFill xmlns:a14="http://schemas.microsoft.com/office/drawing/2010/main">
-                <a:solidFill>
-                  <a:srgbClr val="FFFFFF"/>
-                </a:solidFill>
-              </a14:hiddenFill>
-            </a:ext>
-          </a:extLst>
-        </p:spPr>
-      </p:pic>
-      <p:sp>
-        <p:nvSpPr>
-          <p:cNvPr id="8" name="TextBox 7">
-            <a:extLst>
-              <a:ext uri="{FF2B5EF4-FFF2-40B4-BE49-F238E27FC236}">
-                <a16:creationId xmlns:a16="http://schemas.microsoft.com/office/drawing/2014/main" id="{E986CB5E-83E9-1746-BEFB-EC859E49342F}"/>
-              </a:ext>
-            </a:extLst>
-          </p:cNvPr>
-          <p:cNvSpPr txBox="1"/>
-          <p:nvPr/>
-        </p:nvSpPr>
-        <p:spPr>
-          <a:xfrm>
-            <a:off x="2994939" y="4535612"/>
-            <a:ext cx="6438900" cy="369332"/>
-          </a:xfrm>
-          <a:prstGeom prst="rect">
-            <a:avLst/>
-          </a:prstGeom>
-          <a:noFill/>
-        </p:spPr>
-        <p:txBody>
-          <a:bodyPr wrap="square">
-            <a:spAutoFit/>
-          </a:bodyPr>
-          <a:lstStyle/>
-          <a:p>
-            <a:pPr algn="ctr"/>
-            <a:r>
-              <a:rPr lang="en-US" sz="1800" b="0" i="0" dirty="0">
-                <a:effectLst/>
-                <a:latin typeface="sohne"/>
-              </a:rPr>
-              <a:t>A derivative of loss function for given parameters at a given time t.</a:t>
-            </a:r>
-            <a:endParaRPr lang="en-US" sz="1800" dirty="0"/>
-          </a:p>
-        </p:txBody>
-      </p:sp>
-      <p:pic>
-        <p:nvPicPr>
-          <p:cNvPr id="4102" name="Picture 6">
-            <a:extLst>
-              <a:ext uri="{FF2B5EF4-FFF2-40B4-BE49-F238E27FC236}">
-                <a16:creationId xmlns:a16="http://schemas.microsoft.com/office/drawing/2014/main" id="{7FABA1F1-6409-254A-8826-3DC62F3F4BF9}"/>
-              </a:ext>
-            </a:extLst>
-          </p:cNvPr>
-          <p:cNvPicPr>
-            <a:picLocks noChangeAspect="1" noChangeArrowheads="1"/>
-          </p:cNvPicPr>
-          <p:nvPr/>
-        </p:nvPicPr>
-        <p:blipFill>
-          <a:blip r:embed="rId3">
-            <a:extLst>
-              <a:ext uri="{28A0092B-C50C-407E-A947-70E740481C1C}">
-                <a14:useLocalDpi xmlns:a14="http://schemas.microsoft.com/office/drawing/2010/main" val="0"/>
-              </a:ext>
-            </a:extLst>
-          </a:blip>
-          <a:srcRect/>
-          <a:stretch>
-            <a:fillRect/>
-          </a:stretch>
-        </p:blipFill>
-        <p:spPr bwMode="auto">
-          <a:xfrm>
-            <a:off x="3744239" y="5060950"/>
-            <a:ext cx="3975100" cy="901700"/>
-          </a:xfrm>
-          <a:prstGeom prst="rect">
-            <a:avLst/>
-          </a:prstGeom>
-          <a:noFill/>
-          <a:ln>
-            <a:solidFill>
-              <a:schemeClr val="accent1"/>
-            </a:solidFill>
-          </a:ln>
-          <a:extLst>
-            <a:ext uri="{909E8E84-426E-40DD-AFC4-6F175D3DCCD1}">
-              <a14:hiddenFill xmlns:a14="http://schemas.microsoft.com/office/drawing/2010/main">
-                <a:solidFill>
-                  <a:srgbClr val="FFFFFF"/>
-                </a:solidFill>
-              </a14:hiddenFill>
-            </a:ext>
-          </a:extLst>
-        </p:spPr>
-      </p:pic>
-      <p:sp>
-        <p:nvSpPr>
-          <p:cNvPr id="11" name="TextBox 10">
-            <a:extLst>
-              <a:ext uri="{FF2B5EF4-FFF2-40B4-BE49-F238E27FC236}">
-                <a16:creationId xmlns:a16="http://schemas.microsoft.com/office/drawing/2014/main" id="{09B7D935-67A3-834B-BC0D-82C8AE60B59C}"/>
-              </a:ext>
-            </a:extLst>
-          </p:cNvPr>
-          <p:cNvSpPr txBox="1"/>
-          <p:nvPr/>
-        </p:nvSpPr>
-        <p:spPr>
-          <a:xfrm>
-            <a:off x="2994939" y="5991658"/>
-            <a:ext cx="6096000" cy="584775"/>
-          </a:xfrm>
-          <a:prstGeom prst="rect">
-            <a:avLst/>
-          </a:prstGeom>
-          <a:noFill/>
-        </p:spPr>
-        <p:txBody>
-          <a:bodyPr wrap="square">
-            <a:spAutoFit/>
-          </a:bodyPr>
-          <a:lstStyle/>
-          <a:p>
-            <a:r>
-              <a:rPr lang="en-US" sz="1600" dirty="0"/>
-              <a:t>Update parameters for given input </a:t>
-            </a:r>
-            <a:r>
-              <a:rPr lang="en-US" sz="1600" dirty="0" err="1"/>
-              <a:t>i</a:t>
-            </a:r>
-            <a:r>
-              <a:rPr lang="en-US" sz="1600" dirty="0"/>
-              <a:t> and at time/iteration t</a:t>
-            </a:r>
-            <a:br>
-              <a:rPr lang="en-US" sz="1600" dirty="0"/>
-            </a:br>
-            <a:endParaRPr lang="en-US" sz="1600" dirty="0"/>
           </a:p>
         </p:txBody>
       </p:sp>
@@ -13077,6 +12901,134 @@
   <p:clrMapOvr>
     <a:masterClrMapping/>
   </p:clrMapOvr>
+  <p:timing>
+    <p:tnLst>
+      <p:par>
+        <p:cTn id="1" dur="indefinite" restart="never" nodeType="tmRoot">
+          <p:childTnLst>
+            <p:seq concurrent="1" nextAc="seek">
+              <p:cTn id="2" dur="indefinite" nodeType="mainSeq">
+                <p:childTnLst>
+                  <p:par>
+                    <p:cTn id="3" fill="hold">
+                      <p:stCondLst>
+                        <p:cond delay="indefinite"/>
+                      </p:stCondLst>
+                      <p:childTnLst>
+                        <p:par>
+                          <p:cTn id="4" fill="hold">
+                            <p:stCondLst>
+                              <p:cond delay="0"/>
+                            </p:stCondLst>
+                            <p:childTnLst>
+                              <p:par>
+                                <p:cTn id="5" presetID="1" presetClass="entr" presetSubtype="0" fill="hold" nodeType="clickEffect">
+                                  <p:stCondLst>
+                                    <p:cond delay="0"/>
+                                  </p:stCondLst>
+                                  <p:childTnLst>
+                                    <p:set>
+                                      <p:cBhvr>
+                                        <p:cTn id="6" dur="1" fill="hold">
+                                          <p:stCondLst>
+                                            <p:cond delay="0"/>
+                                          </p:stCondLst>
+                                        </p:cTn>
+                                        <p:tgtEl>
+                                          <p:spTgt spid="5">
+                                            <p:txEl>
+                                              <p:pRg st="0" end="0"/>
+                                            </p:txEl>
+                                          </p:spTgt>
+                                        </p:tgtEl>
+                                        <p:attrNameLst>
+                                          <p:attrName>style.visibility</p:attrName>
+                                        </p:attrNameLst>
+                                      </p:cBhvr>
+                                      <p:to>
+                                        <p:strVal val="visible"/>
+                                      </p:to>
+                                    </p:set>
+                                  </p:childTnLst>
+                                </p:cTn>
+                              </p:par>
+                            </p:childTnLst>
+                          </p:cTn>
+                        </p:par>
+                      </p:childTnLst>
+                    </p:cTn>
+                  </p:par>
+                  <p:par>
+                    <p:cTn id="7" fill="hold">
+                      <p:stCondLst>
+                        <p:cond delay="indefinite"/>
+                      </p:stCondLst>
+                      <p:childTnLst>
+                        <p:par>
+                          <p:cTn id="8" fill="hold">
+                            <p:stCondLst>
+                              <p:cond delay="0"/>
+                            </p:stCondLst>
+                            <p:childTnLst>
+                              <p:par>
+                                <p:cTn id="9" presetID="1" presetClass="entr" presetSubtype="0" fill="hold" nodeType="clickEffect">
+                                  <p:stCondLst>
+                                    <p:cond delay="0"/>
+                                  </p:stCondLst>
+                                  <p:childTnLst>
+                                    <p:set>
+                                      <p:cBhvr>
+                                        <p:cTn id="10" dur="1" fill="hold">
+                                          <p:stCondLst>
+                                            <p:cond delay="0"/>
+                                          </p:stCondLst>
+                                        </p:cTn>
+                                        <p:tgtEl>
+                                          <p:spTgt spid="5">
+                                            <p:txEl>
+                                              <p:pRg st="2" end="2"/>
+                                            </p:txEl>
+                                          </p:spTgt>
+                                        </p:tgtEl>
+                                        <p:attrNameLst>
+                                          <p:attrName>style.visibility</p:attrName>
+                                        </p:attrNameLst>
+                                      </p:cBhvr>
+                                      <p:to>
+                                        <p:strVal val="visible"/>
+                                      </p:to>
+                                    </p:set>
+                                  </p:childTnLst>
+                                </p:cTn>
+                              </p:par>
+                            </p:childTnLst>
+                          </p:cTn>
+                        </p:par>
+                      </p:childTnLst>
+                    </p:cTn>
+                  </p:par>
+                </p:childTnLst>
+              </p:cTn>
+              <p:prevCondLst>
+                <p:cond evt="onPrev" delay="0">
+                  <p:tgtEl>
+                    <p:sldTgt/>
+                  </p:tgtEl>
+                </p:cond>
+              </p:prevCondLst>
+              <p:nextCondLst>
+                <p:cond evt="onNext" delay="0">
+                  <p:tgtEl>
+                    <p:sldTgt/>
+                  </p:tgtEl>
+                </p:cond>
+              </p:nextCondLst>
+            </p:seq>
+          </p:childTnLst>
+        </p:cTn>
+      </p:par>
+    </p:tnLst>
+  </p:timing>
 </p:sld>
 </file>
 
@@ -13174,8 +13126,8 @@
         </p:nvSpPr>
         <p:spPr>
           <a:xfrm>
-            <a:off x="495301" y="1571668"/>
-            <a:ext cx="11194672" cy="5194299"/>
+            <a:off x="302628" y="1687796"/>
+            <a:ext cx="6683244" cy="3150644"/>
           </a:xfrm>
           <a:prstGeom prst="rect">
             <a:avLst/>
@@ -13197,7 +13149,7 @@
               <a:buChar char="•"/>
             </a:pPr>
             <a:r>
-              <a:rPr lang="el-GR" sz="2000" dirty="0"/>
+              <a:rPr lang="el-GR" sz="2000" b="1" dirty="0"/>
               <a:t>η </a:t>
             </a:r>
             <a:r>
@@ -13245,15 +13197,7 @@
             </a:pPr>
             <a:r>
               <a:rPr lang="en-US" sz="2000" dirty="0"/>
-              <a:t>Sum of squares of the gradients </a:t>
-            </a:r>
-            <a:r>
-              <a:rPr lang="en-US" sz="2000" dirty="0" err="1"/>
-              <a:t>w.r.t.</a:t>
-            </a:r>
-            <a:r>
-              <a:rPr lang="en-US" sz="2000" dirty="0"/>
-              <a:t> </a:t>
+              <a:t>G: Sum of squares of the gradients w.r.t. </a:t>
             </a:r>
             <a:r>
               <a:rPr lang="el-GR" sz="2000" dirty="0"/>
@@ -13265,15 +13209,33 @@
             </a:r>
             <a:r>
               <a:rPr lang="en-US" sz="2000" dirty="0"/>
-              <a:t>) up to time step t are stored, while </a:t>
-            </a:r>
+              <a:t>) up to time step t are stored</a:t>
+            </a:r>
+          </a:p>
+          <a:p>
+            <a:pPr marL="1168383" lvl="1" indent="-457200">
+              <a:buSzPts val="2400"/>
+              <a:buFont typeface="Arial" panose="020B0604020202020204" pitchFamily="34" charset="0"/>
+              <a:buChar char="•"/>
+            </a:pPr>
             <a:r>
               <a:rPr lang="el-GR" sz="2000" dirty="0"/>
               <a:t>ϵ </a:t>
             </a:r>
             <a:r>
               <a:rPr lang="en-US" sz="2000" dirty="0"/>
-              <a:t>is a smoothing term that avoids division by zero (usually on the order of 1e−8). Interestingly, without the square root operation, the algorithm performs much worse.</a:t>
+              <a:t>is a smoothing term that avoids division by zero (usually on the order of 1e−8)</a:t>
+            </a:r>
+          </a:p>
+          <a:p>
+            <a:pPr marL="1168383" lvl="1" indent="-457200">
+              <a:buSzPts val="2400"/>
+              <a:buFont typeface="Arial" panose="020B0604020202020204" pitchFamily="34" charset="0"/>
+              <a:buChar char="•"/>
+            </a:pPr>
+            <a:r>
+              <a:rPr lang="en-US" sz="2000" dirty="0"/>
+              <a:t>without square root operation, algorithm performs much worse.</a:t>
             </a:r>
           </a:p>
           <a:p>
@@ -13302,6 +13264,215 @@
               <a:rPr lang="en-US" sz="2000" dirty="0"/>
               <a:t>It makes big updates for less frequent parameters and a small step for frequent parameters.</a:t>
             </a:r>
+          </a:p>
+        </p:txBody>
+      </p:sp>
+      <p:pic>
+        <p:nvPicPr>
+          <p:cNvPr id="6" name="Picture 2">
+            <a:extLst>
+              <a:ext uri="{FF2B5EF4-FFF2-40B4-BE49-F238E27FC236}">
+                <a16:creationId xmlns:a16="http://schemas.microsoft.com/office/drawing/2014/main" id="{F293BB44-7955-A94F-838E-8FD38AD769D6}"/>
+              </a:ext>
+            </a:extLst>
+          </p:cNvPr>
+          <p:cNvPicPr>
+            <a:picLocks noChangeAspect="1" noChangeArrowheads="1"/>
+          </p:cNvPicPr>
+          <p:nvPr/>
+        </p:nvPicPr>
+        <p:blipFill>
+          <a:blip r:embed="rId2">
+            <a:extLst>
+              <a:ext uri="{28A0092B-C50C-407E-A947-70E740481C1C}">
+                <a14:useLocalDpi xmlns:a14="http://schemas.microsoft.com/office/drawing/2010/main" val="0"/>
+              </a:ext>
+            </a:extLst>
+          </a:blip>
+          <a:srcRect/>
+          <a:stretch>
+            <a:fillRect/>
+          </a:stretch>
+        </p:blipFill>
+        <p:spPr bwMode="auto">
+          <a:xfrm>
+            <a:off x="7803803" y="2013572"/>
+            <a:ext cx="2705100" cy="635000"/>
+          </a:xfrm>
+          <a:prstGeom prst="rect">
+            <a:avLst/>
+          </a:prstGeom>
+          <a:noFill/>
+          <a:ln>
+            <a:solidFill>
+              <a:schemeClr val="accent1"/>
+            </a:solidFill>
+          </a:ln>
+          <a:extLst>
+            <a:ext uri="{909E8E84-426E-40DD-AFC4-6F175D3DCCD1}">
+              <a14:hiddenFill xmlns:a14="http://schemas.microsoft.com/office/drawing/2010/main">
+                <a:solidFill>
+                  <a:srgbClr val="FFFFFF"/>
+                </a:solidFill>
+              </a14:hiddenFill>
+            </a:ext>
+          </a:extLst>
+        </p:spPr>
+      </p:pic>
+      <p:sp>
+        <p:nvSpPr>
+          <p:cNvPr id="7" name="TextBox 6">
+            <a:extLst>
+              <a:ext uri="{FF2B5EF4-FFF2-40B4-BE49-F238E27FC236}">
+                <a16:creationId xmlns:a16="http://schemas.microsoft.com/office/drawing/2014/main" id="{7E638483-0800-4047-B251-DC771E6AF00E}"/>
+              </a:ext>
+            </a:extLst>
+          </p:cNvPr>
+          <p:cNvSpPr txBox="1"/>
+          <p:nvPr/>
+        </p:nvSpPr>
+        <p:spPr>
+          <a:xfrm>
+            <a:off x="7189939" y="2640326"/>
+            <a:ext cx="4136895" cy="646331"/>
+          </a:xfrm>
+          <a:prstGeom prst="rect">
+            <a:avLst/>
+          </a:prstGeom>
+          <a:noFill/>
+        </p:spPr>
+        <p:txBody>
+          <a:bodyPr wrap="square">
+            <a:spAutoFit/>
+          </a:bodyPr>
+          <a:lstStyle/>
+          <a:p>
+            <a:pPr algn="ctr"/>
+            <a:r>
+              <a:rPr lang="en-US" sz="1800" b="0" i="0" dirty="0">
+                <a:effectLst/>
+                <a:latin typeface="sohne"/>
+              </a:rPr>
+              <a:t>A derivative of loss function for </a:t>
+            </a:r>
+          </a:p>
+          <a:p>
+            <a:pPr algn="ctr"/>
+            <a:r>
+              <a:rPr lang="en-US" sz="1800" b="0" i="0" dirty="0">
+                <a:effectLst/>
+                <a:latin typeface="sohne"/>
+              </a:rPr>
+              <a:t>given parameters at a given time t.</a:t>
+            </a:r>
+            <a:endParaRPr lang="en-US" sz="1800" dirty="0"/>
+          </a:p>
+        </p:txBody>
+      </p:sp>
+      <p:pic>
+        <p:nvPicPr>
+          <p:cNvPr id="8" name="Picture 6">
+            <a:extLst>
+              <a:ext uri="{FF2B5EF4-FFF2-40B4-BE49-F238E27FC236}">
+                <a16:creationId xmlns:a16="http://schemas.microsoft.com/office/drawing/2014/main" id="{818D1EE7-D6B7-294C-B4BE-26FF88006497}"/>
+              </a:ext>
+            </a:extLst>
+          </p:cNvPr>
+          <p:cNvPicPr>
+            <a:picLocks noChangeAspect="1" noChangeArrowheads="1"/>
+          </p:cNvPicPr>
+          <p:nvPr/>
+        </p:nvPicPr>
+        <p:blipFill>
+          <a:blip r:embed="rId3">
+            <a:extLst>
+              <a:ext uri="{28A0092B-C50C-407E-A947-70E740481C1C}">
+                <a14:useLocalDpi xmlns:a14="http://schemas.microsoft.com/office/drawing/2010/main" val="0"/>
+              </a:ext>
+            </a:extLst>
+          </a:blip>
+          <a:srcRect/>
+          <a:stretch>
+            <a:fillRect/>
+          </a:stretch>
+        </p:blipFill>
+        <p:spPr bwMode="auto">
+          <a:xfrm>
+            <a:off x="7351735" y="4387590"/>
+            <a:ext cx="3975100" cy="901700"/>
+          </a:xfrm>
+          <a:prstGeom prst="rect">
+            <a:avLst/>
+          </a:prstGeom>
+          <a:noFill/>
+          <a:ln>
+            <a:solidFill>
+              <a:schemeClr val="accent1"/>
+            </a:solidFill>
+          </a:ln>
+          <a:extLst>
+            <a:ext uri="{909E8E84-426E-40DD-AFC4-6F175D3DCCD1}">
+              <a14:hiddenFill xmlns:a14="http://schemas.microsoft.com/office/drawing/2010/main">
+                <a:solidFill>
+                  <a:srgbClr val="FFFFFF"/>
+                </a:solidFill>
+              </a14:hiddenFill>
+            </a:ext>
+          </a:extLst>
+        </p:spPr>
+      </p:pic>
+      <p:sp>
+        <p:nvSpPr>
+          <p:cNvPr id="9" name="TextBox 8">
+            <a:extLst>
+              <a:ext uri="{FF2B5EF4-FFF2-40B4-BE49-F238E27FC236}">
+                <a16:creationId xmlns:a16="http://schemas.microsoft.com/office/drawing/2014/main" id="{40AD7A56-A299-6945-BE93-165CB0BE2857}"/>
+              </a:ext>
+            </a:extLst>
+          </p:cNvPr>
+          <p:cNvSpPr txBox="1"/>
+          <p:nvPr/>
+        </p:nvSpPr>
+        <p:spPr>
+          <a:xfrm>
+            <a:off x="7694330" y="5439389"/>
+            <a:ext cx="3289909" cy="830997"/>
+          </a:xfrm>
+          <a:prstGeom prst="rect">
+            <a:avLst/>
+          </a:prstGeom>
+          <a:noFill/>
+        </p:spPr>
+        <p:txBody>
+          <a:bodyPr wrap="square">
+            <a:spAutoFit/>
+          </a:bodyPr>
+          <a:lstStyle/>
+          <a:p>
+            <a:pPr algn="ctr"/>
+            <a:r>
+              <a:rPr lang="en-US" sz="1600" dirty="0"/>
+              <a:t>Update parameters for given</a:t>
+            </a:r>
+          </a:p>
+          <a:p>
+            <a:pPr algn="ctr"/>
+            <a:r>
+              <a:rPr lang="en-US" sz="1600" dirty="0"/>
+              <a:t> input </a:t>
+            </a:r>
+            <a:r>
+              <a:rPr lang="en-US" sz="1600" dirty="0" err="1"/>
+              <a:t>i</a:t>
+            </a:r>
+            <a:r>
+              <a:rPr lang="en-US" sz="1600" dirty="0"/>
+              <a:t> and at time/iteration t</a:t>
+            </a:r>
+            <a:br>
+              <a:rPr lang="en-US" sz="1600" dirty="0"/>
+            </a:br>
+            <a:endParaRPr lang="en-US" sz="1600" dirty="0"/>
           </a:p>
         </p:txBody>
       </p:sp>
@@ -13315,6 +13486,166 @@
   <p:clrMapOvr>
     <a:masterClrMapping/>
   </p:clrMapOvr>
+  <p:timing>
+    <p:tnLst>
+      <p:par>
+        <p:cTn id="1" dur="indefinite" restart="never" nodeType="tmRoot">
+          <p:childTnLst>
+            <p:seq concurrent="1" nextAc="seek">
+              <p:cTn id="2" dur="indefinite" nodeType="mainSeq">
+                <p:childTnLst>
+                  <p:par>
+                    <p:cTn id="3" fill="hold">
+                      <p:stCondLst>
+                        <p:cond delay="indefinite"/>
+                      </p:stCondLst>
+                      <p:childTnLst>
+                        <p:par>
+                          <p:cTn id="4" fill="hold">
+                            <p:stCondLst>
+                              <p:cond delay="0"/>
+                            </p:stCondLst>
+                            <p:childTnLst>
+                              <p:par>
+                                <p:cTn id="5" presetID="1" presetClass="entr" presetSubtype="0" fill="hold" nodeType="clickEffect">
+                                  <p:stCondLst>
+                                    <p:cond delay="0"/>
+                                  </p:stCondLst>
+                                  <p:childTnLst>
+                                    <p:set>
+                                      <p:cBhvr>
+                                        <p:cTn id="6" dur="1" fill="hold">
+                                          <p:stCondLst>
+                                            <p:cond delay="0"/>
+                                          </p:stCondLst>
+                                        </p:cTn>
+                                        <p:tgtEl>
+                                          <p:spTgt spid="6"/>
+                                        </p:tgtEl>
+                                        <p:attrNameLst>
+                                          <p:attrName>style.visibility</p:attrName>
+                                        </p:attrNameLst>
+                                      </p:cBhvr>
+                                      <p:to>
+                                        <p:strVal val="visible"/>
+                                      </p:to>
+                                    </p:set>
+                                  </p:childTnLst>
+                                </p:cTn>
+                              </p:par>
+                              <p:par>
+                                <p:cTn id="7" presetID="1" presetClass="entr" presetSubtype="0" fill="hold" grpId="0" nodeType="withEffect">
+                                  <p:stCondLst>
+                                    <p:cond delay="0"/>
+                                  </p:stCondLst>
+                                  <p:childTnLst>
+                                    <p:set>
+                                      <p:cBhvr>
+                                        <p:cTn id="8" dur="1" fill="hold">
+                                          <p:stCondLst>
+                                            <p:cond delay="0"/>
+                                          </p:stCondLst>
+                                        </p:cTn>
+                                        <p:tgtEl>
+                                          <p:spTgt spid="7"/>
+                                        </p:tgtEl>
+                                        <p:attrNameLst>
+                                          <p:attrName>style.visibility</p:attrName>
+                                        </p:attrNameLst>
+                                      </p:cBhvr>
+                                      <p:to>
+                                        <p:strVal val="visible"/>
+                                      </p:to>
+                                    </p:set>
+                                  </p:childTnLst>
+                                </p:cTn>
+                              </p:par>
+                              <p:par>
+                                <p:cTn id="9" presetID="1" presetClass="entr" presetSubtype="0" fill="hold" nodeType="withEffect">
+                                  <p:stCondLst>
+                                    <p:cond delay="0"/>
+                                  </p:stCondLst>
+                                  <p:childTnLst>
+                                    <p:set>
+                                      <p:cBhvr>
+                                        <p:cTn id="10" dur="1" fill="hold">
+                                          <p:stCondLst>
+                                            <p:cond delay="0"/>
+                                          </p:stCondLst>
+                                        </p:cTn>
+                                        <p:tgtEl>
+                                          <p:spTgt spid="8"/>
+                                        </p:tgtEl>
+                                        <p:attrNameLst>
+                                          <p:attrName>style.visibility</p:attrName>
+                                        </p:attrNameLst>
+                                      </p:cBhvr>
+                                      <p:to>
+                                        <p:strVal val="visible"/>
+                                      </p:to>
+                                    </p:set>
+                                  </p:childTnLst>
+                                </p:cTn>
+                              </p:par>
+                              <p:par>
+                                <p:cTn id="11" presetID="1" presetClass="entr" presetSubtype="0" fill="hold" grpId="0" nodeType="withEffect">
+                                  <p:stCondLst>
+                                    <p:cond delay="0"/>
+                                  </p:stCondLst>
+                                  <p:childTnLst>
+                                    <p:set>
+                                      <p:cBhvr>
+                                        <p:cTn id="12" dur="1" fill="hold">
+                                          <p:stCondLst>
+                                            <p:cond delay="0"/>
+                                          </p:stCondLst>
+                                        </p:cTn>
+                                        <p:tgtEl>
+                                          <p:spTgt spid="9"/>
+                                        </p:tgtEl>
+                                        <p:attrNameLst>
+                                          <p:attrName>style.visibility</p:attrName>
+                                        </p:attrNameLst>
+                                      </p:cBhvr>
+                                      <p:to>
+                                        <p:strVal val="visible"/>
+                                      </p:to>
+                                    </p:set>
+                                  </p:childTnLst>
+                                </p:cTn>
+                              </p:par>
+                            </p:childTnLst>
+                          </p:cTn>
+                        </p:par>
+                      </p:childTnLst>
+                    </p:cTn>
+                  </p:par>
+                </p:childTnLst>
+              </p:cTn>
+              <p:prevCondLst>
+                <p:cond evt="onPrev" delay="0">
+                  <p:tgtEl>
+                    <p:sldTgt/>
+                  </p:tgtEl>
+                </p:cond>
+              </p:prevCondLst>
+              <p:nextCondLst>
+                <p:cond evt="onNext" delay="0">
+                  <p:tgtEl>
+                    <p:sldTgt/>
+                  </p:tgtEl>
+                </p:cond>
+              </p:nextCondLst>
+            </p:seq>
+          </p:childTnLst>
+        </p:cTn>
+      </p:par>
+    </p:tnLst>
+    <p:bldLst>
+      <p:bldP spid="7" grpId="0"/>
+      <p:bldP spid="9" grpId="0"/>
+    </p:bldLst>
+  </p:timing>
 </p:sld>
 </file>
 
@@ -13717,8 +14048,28 @@
             </a:r>
             <a:r>
               <a:rPr lang="en-US" sz="2000" dirty="0"/>
-              <a:t> slows down a bit too fast and ends up never converging to the global optimum, the </a:t>
-            </a:r>
+              <a:t> slows down a bit too fast </a:t>
+            </a:r>
+          </a:p>
+          <a:p>
+            <a:pPr marL="101598">
+              <a:buSzPts val="2400"/>
+            </a:pPr>
+            <a:r>
+              <a:rPr lang="en-US" sz="2000" dirty="0"/>
+              <a:t>	ends up never converging to global optimum</a:t>
+            </a:r>
+          </a:p>
+          <a:p>
+            <a:pPr marL="101598">
+              <a:buSzPts val="2400"/>
+            </a:pPr>
+            <a:endParaRPr lang="en-US" sz="2000" dirty="0"/>
+          </a:p>
+          <a:p>
+            <a:pPr marL="101598">
+              <a:buSzPts val="2400"/>
+            </a:pPr>
             <a:r>
               <a:rPr lang="en-US" sz="2000" i="1" dirty="0" err="1"/>
               <a:t>RMSProp</a:t>
@@ -13729,86 +14080,67 @@
             </a:r>
             <a:r>
               <a:rPr lang="en-US" sz="2000" dirty="0"/>
-              <a:t>algorithm15 fixes this by accumulating only the </a:t>
-            </a:r>
-            <a:r>
-              <a:rPr lang="en-US" sz="2000" dirty="0" err="1"/>
-              <a:t>gradi</a:t>
-            </a:r>
-            <a:r>
-              <a:rPr lang="en-US" sz="2000" dirty="0"/>
-              <a:t>‐ </a:t>
-            </a:r>
-            <a:r>
-              <a:rPr lang="en-US" sz="2000" dirty="0" err="1"/>
-              <a:t>ents</a:t>
-            </a:r>
-            <a:r>
-              <a:rPr lang="en-US" sz="2000" dirty="0"/>
-              <a:t> from the most recent iterations (as opposed to all the gradients since the begin‐ </a:t>
-            </a:r>
-            <a:r>
-              <a:rPr lang="en-US" sz="2000" dirty="0" err="1"/>
-              <a:t>ning</a:t>
-            </a:r>
-            <a:r>
-              <a:rPr lang="en-US" sz="2000" dirty="0"/>
-              <a:t> of training). It does so by using exponential decay in the first step (see Equation). </a:t>
+              <a:t>algorithm fixes this</a:t>
             </a:r>
           </a:p>
           <a:p>
             <a:pPr marL="101598">
               <a:buSzPts val="2400"/>
             </a:pPr>
-            <a:endParaRPr lang="en-US" sz="2800" dirty="0"/>
+            <a:r>
+              <a:rPr lang="en-US" sz="2000" dirty="0"/>
+              <a:t>	- by accumulating gradients only from most recent iterations </a:t>
+            </a:r>
           </a:p>
           <a:p>
             <a:pPr marL="101598">
               <a:buSzPts val="2400"/>
             </a:pPr>
-            <a:endParaRPr lang="en-US" sz="2800" dirty="0"/>
+            <a:r>
+              <a:rPr lang="en-US" sz="2000" dirty="0"/>
+              <a:t>		(as opposed to all the gradients since the beginning of training)</a:t>
+            </a:r>
           </a:p>
           <a:p>
             <a:pPr marL="101598">
               <a:buSzPts val="2400"/>
             </a:pPr>
+            <a:r>
+              <a:rPr lang="en-US" sz="2000" dirty="0"/>
+              <a:t>	- does so by using exponential decay in the first step. </a:t>
+            </a:r>
+          </a:p>
+          <a:p>
+            <a:pPr marL="101598">
+              <a:buSzPts val="2400"/>
+            </a:pPr>
             <a:endParaRPr lang="en-US" sz="2800" dirty="0"/>
           </a:p>
           <a:p>
             <a:r>
               <a:rPr lang="en-US" sz="2000" dirty="0"/>
-              <a:t>The decay rate </a:t>
+              <a:t>	- decay rate </a:t>
             </a:r>
             <a:r>
               <a:rPr lang="el-GR" sz="2000" i="1" dirty="0"/>
-              <a:t>β </a:t>
+              <a:t>β</a:t>
             </a:r>
             <a:r>
               <a:rPr lang="en-US" sz="2000" dirty="0"/>
-              <a:t>is typically set to 0.9. Yes, it is once again a new hyperparameter, but this default value often works well, so you may not need to tune it at all. </a:t>
+              <a:t> typically set to 0.9. </a:t>
+            </a:r>
+          </a:p>
+          <a:p>
+            <a:r>
+              <a:rPr lang="en-US" sz="2000" dirty="0"/>
+              <a:t>	- Yes, it is once again a new hyperparameter, but this default value often works well, so you 	    may not need to tune it at all. </a:t>
             </a:r>
             <a:endParaRPr lang="en-US" sz="2800" dirty="0"/>
           </a:p>
           <a:p>
             <a:r>
               <a:rPr lang="en-US" sz="2000" dirty="0"/>
-              <a:t>As you might expect, </a:t>
-            </a:r>
-            <a:r>
-              <a:rPr lang="en-US" sz="2000" dirty="0" err="1"/>
-              <a:t>Keras</a:t>
-            </a:r>
-            <a:r>
-              <a:rPr lang="en-US" sz="2000" dirty="0"/>
-              <a:t> has an </a:t>
-            </a:r>
-            <a:r>
-              <a:rPr lang="en-US" sz="2000" dirty="0" err="1"/>
-              <a:t>RMSProp</a:t>
-            </a:r>
-            <a:r>
-              <a:rPr lang="en-US" sz="2000" dirty="0"/>
-              <a:t> optimizer:</a:t>
+              <a:t>	</a:t>
             </a:r>
           </a:p>
           <a:p>
@@ -13819,7 +14151,7 @@
                 </a:solidFill>
                 <a:latin typeface="UbuntuMono"/>
               </a:rPr>
-              <a:t>optimizer </a:t>
+              <a:t>				optimizer </a:t>
             </a:r>
             <a:r>
               <a:rPr lang="en-US" sz="2000" dirty="0">
@@ -13955,7 +14287,7 @@
           <a:p>
             <a:r>
               <a:rPr lang="en-US" sz="2000" dirty="0"/>
-              <a:t>Except on very simple problems, this optimizer almost always performs much better than </a:t>
+              <a:t>NOTE: Except on very simple problems, this optimizer almost always performs much better than </a:t>
             </a:r>
             <a:r>
               <a:rPr lang="en-US" sz="2000" dirty="0" err="1"/>
@@ -13963,15 +14295,7 @@
             </a:r>
             <a:r>
               <a:rPr lang="en-US" sz="2000" dirty="0"/>
-              <a:t>. In fact, it was the preferred optimization algorithm of many research‐ </a:t>
-            </a:r>
-            <a:r>
-              <a:rPr lang="en-US" sz="2000" dirty="0" err="1"/>
-              <a:t>ers</a:t>
-            </a:r>
-            <a:r>
-              <a:rPr lang="en-US" sz="2000" dirty="0"/>
-              <a:t> until Adam optimization came around. </a:t>
+              <a:t>. Preferred optimization algorithm until Adam optimization came around. </a:t>
             </a:r>
             <a:endParaRPr lang="en-US" sz="2800" dirty="0"/>
           </a:p>
@@ -14005,8 +14329,8 @@
         </p:blipFill>
         <p:spPr>
           <a:xfrm>
-            <a:off x="8136960" y="2800959"/>
-            <a:ext cx="2425700" cy="876300"/>
+            <a:off x="8066762" y="1467730"/>
+            <a:ext cx="2921783" cy="1055513"/>
           </a:xfrm>
           <a:prstGeom prst="rect">
             <a:avLst/>
@@ -16501,7 +16825,7 @@
               <a:buChar char="•"/>
             </a:pPr>
             <a:r>
-              <a:rPr lang="en-US" sz="3200" dirty="0">
+              <a:rPr lang="en-US" sz="4000" dirty="0">
                 <a:latin typeface="Brush Script MT" panose="03060802040406070304" pitchFamily="66" charset="-122"/>
                 <a:ea typeface="Brush Script MT" panose="03060802040406070304" pitchFamily="66" charset="-122"/>
                 <a:cs typeface="Brush Script MT" panose="03060802040406070304" pitchFamily="66" charset="-122"/>
@@ -16513,7 +16837,7 @@
               <a:t>1 and </a:t>
             </a:r>
             <a:r>
-              <a:rPr lang="en-US" sz="3200" dirty="0">
+              <a:rPr lang="en-US" sz="4000" dirty="0">
                 <a:latin typeface="Brush Script MT" panose="03060802040406070304" pitchFamily="66" charset="-122"/>
                 <a:ea typeface="Brush Script MT" panose="03060802040406070304" pitchFamily="66" charset="-122"/>
                 <a:cs typeface="Brush Script MT" panose="03060802040406070304" pitchFamily="66" charset="-122"/>
@@ -17151,7 +17475,15 @@
             </a:pPr>
             <a:r>
               <a:rPr lang="en-US" dirty="0"/>
-              <a:t>acts like a force that subtracts a small amount from weights at each iteration. </a:t>
+              <a:t>acts like a force that subtracts a </a:t>
+            </a:r>
+            <a:r>
+              <a:rPr lang="en-US" u="sng" dirty="0"/>
+              <a:t>small amount from weights </a:t>
+            </a:r>
+            <a:r>
+              <a:rPr lang="en-US" dirty="0"/>
+              <a:t>at each iteration. </a:t>
             </a:r>
           </a:p>
           <a:p>
@@ -17173,7 +17505,7 @@
             </a:pPr>
             <a:r>
               <a:rPr lang="en-US" dirty="0"/>
-              <a:t>Also called lasso regularization</a:t>
+              <a:t>also called lasso regularization</a:t>
             </a:r>
             <a:endParaRPr lang="en-US" sz="2800" dirty="0"/>
           </a:p>
@@ -17400,7 +17732,15 @@
             </a:pPr>
             <a:r>
               <a:rPr lang="en-US" dirty="0"/>
-              <a:t>acts like a force that removes a small percentage from weight at each iteration. </a:t>
+              <a:t>acts like a force that removes a </a:t>
+            </a:r>
+            <a:r>
+              <a:rPr lang="en-US" u="sng" dirty="0"/>
+              <a:t>small percentage from weight</a:t>
+            </a:r>
+            <a:r>
+              <a:rPr lang="en-US" dirty="0"/>
+              <a:t> at each iteration. </a:t>
             </a:r>
           </a:p>
           <a:p>
@@ -19596,7 +19936,7 @@
             </a:pPr>
             <a:r>
               <a:rPr lang="en-US" dirty="0"/>
-              <a:t>hyperparameter p I</a:t>
+              <a:t>hyperparameter p</a:t>
             </a:r>
           </a:p>
           <a:p>
@@ -19687,7 +20027,7 @@
 </file>
 
 <file path=ppt/slides/slide53.xml><?xml version="1.0" encoding="utf-8"?>
-<p:sld xmlns:a="http://schemas.openxmlformats.org/drawingml/2006/main" xmlns:r="http://schemas.openxmlformats.org/officeDocument/2006/relationships" xmlns:p="http://schemas.openxmlformats.org/presentationml/2006/main">
+<p:sld xmlns:a="http://schemas.openxmlformats.org/drawingml/2006/main" xmlns:r="http://schemas.openxmlformats.org/officeDocument/2006/relationships" xmlns:p="http://schemas.openxmlformats.org/presentationml/2006/main" show="0">
   <p:cSld>
     <p:spTree>
       <p:nvGrpSpPr>
@@ -19810,15 +20150,7 @@
             </a:r>
             <a:r>
               <a:rPr lang="en-US" sz="2000" dirty="0"/>
-              <a:t>is the total number of drop‐ </a:t>
-            </a:r>
-            <a:r>
-              <a:rPr lang="en-US" sz="2000" dirty="0" err="1"/>
-              <a:t>pable</a:t>
-            </a:r>
-            <a:r>
-              <a:rPr lang="en-US" sz="2000" dirty="0"/>
-              <a:t> neurons). This is such a huge number that it is virtually impossible for the same neural network to be sampled twice. Once you have run a 10,000 training steps, you have essentially trained 10,000 different neural networks (each with just one training instance). These neural networks are obviously not independent since they share many of their weights, but they are nevertheless all different. The resulting neural network can be seen as an averaging ensemble of all these smaller neural networks. </a:t>
+              <a:t>is the total number of droppable neurons). This is such a huge number that it is virtually impossible for the same neural network to be sampled twice. Once you have run a 10,000 training steps, you have essentially trained 10,000 different neural networks (each with just one training instance). These neural networks are obviously not independent since they share many of their weights, but they are nevertheless all different. The resulting neural network can be seen as an averaging ensemble of all these smaller neural networks. </a:t>
             </a:r>
             <a:endParaRPr lang="en-US" sz="2800" dirty="0"/>
           </a:p>
@@ -19833,23 +20165,7 @@
             </a:r>
             <a:r>
               <a:rPr lang="en-US" sz="2000" dirty="0"/>
-              <a:t>= 50%, in which case during testing a neuron will be connected to twice as many input neurons as it was (on average) during training. To compensate for this fact, we need to multiply each neuron’s input connection weights by 0.5 after training. If we don’t, each neuron will get a total input signal roughly twice as large as what the network was trained on, and it is unlikely to perform well. More generally, we need to multiply each input </a:t>
-            </a:r>
-            <a:r>
-              <a:rPr lang="en-US" sz="2000" dirty="0" err="1"/>
-              <a:t>connec</a:t>
-            </a:r>
-            <a:r>
-              <a:rPr lang="en-US" sz="2000" dirty="0"/>
-              <a:t>‐ </a:t>
-            </a:r>
-            <a:r>
-              <a:rPr lang="en-US" sz="2000" dirty="0" err="1"/>
-              <a:t>tion</a:t>
-            </a:r>
-            <a:r>
-              <a:rPr lang="en-US" sz="2000" dirty="0"/>
-              <a:t> weight by the </a:t>
+              <a:t>= 50%, in which case during testing a neuron will be connected to twice as many input neurons as it was (on average) during training. To compensate for this fact, we need to multiply each neuron’s input connection weights by 0.5 after training. If we don’t, each neuron will get a total input signal roughly twice as large as what the network was trained on, and it is unlikely to perform well. More generally, we need to multiply each input connection weight by the </a:t>
             </a:r>
             <a:r>
               <a:rPr lang="en-US" sz="2000" i="1" dirty="0"/>
@@ -19888,7 +20204,7 @@
 </file>
 
 <file path=ppt/slides/slide54.xml><?xml version="1.0" encoding="utf-8"?>
-<p:sld xmlns:a="http://schemas.openxmlformats.org/drawingml/2006/main" xmlns:r="http://schemas.openxmlformats.org/officeDocument/2006/relationships" xmlns:p="http://schemas.openxmlformats.org/presentationml/2006/main">
+<p:sld xmlns:a="http://schemas.openxmlformats.org/drawingml/2006/main" xmlns:r="http://schemas.openxmlformats.org/officeDocument/2006/relationships" xmlns:p="http://schemas.openxmlformats.org/presentationml/2006/main" show="0">
   <p:cSld>
     <p:spTree>
       <p:nvGrpSpPr>
@@ -19957,7 +20273,7 @@
                   <a:srgbClr val="E46102"/>
                 </a:solidFill>
               </a:rPr>
-              <a:t>m</a:t>
+              <a:t>Power of dropout</a:t>
             </a:r>
           </a:p>
         </p:txBody>
@@ -20022,134 +20338,6 @@
 </file>
 
 <file path=ppt/slides/slide55.xml><?xml version="1.0" encoding="utf-8"?>
-<p:sld xmlns:a="http://schemas.openxmlformats.org/drawingml/2006/main" xmlns:r="http://schemas.openxmlformats.org/officeDocument/2006/relationships" xmlns:p="http://schemas.openxmlformats.org/presentationml/2006/main">
-  <p:cSld>
-    <p:spTree>
-      <p:nvGrpSpPr>
-        <p:cNvPr id="1" name=""/>
-        <p:cNvGrpSpPr/>
-        <p:nvPr/>
-      </p:nvGrpSpPr>
-      <p:grpSpPr>
-        <a:xfrm>
-          <a:off x="0" y="0"/>
-          <a:ext cx="0" cy="0"/>
-          <a:chOff x="0" y="0"/>
-          <a:chExt cx="0" cy="0"/>
-        </a:xfrm>
-      </p:grpSpPr>
-      <p:sp>
-        <p:nvSpPr>
-          <p:cNvPr id="4" name="Google Shape;95;p14">
-            <a:extLst>
-              <a:ext uri="{FF2B5EF4-FFF2-40B4-BE49-F238E27FC236}">
-                <a16:creationId xmlns:a16="http://schemas.microsoft.com/office/drawing/2014/main" id="{F510D98E-5D08-45D0-94BE-70EBCB426A1D}"/>
-              </a:ext>
-            </a:extLst>
-          </p:cNvPr>
-          <p:cNvSpPr txBox="1">
-            <a:spLocks/>
-          </p:cNvSpPr>
-          <p:nvPr/>
-        </p:nvSpPr>
-        <p:spPr>
-          <a:xfrm>
-            <a:off x="717173" y="696913"/>
-            <a:ext cx="10972800" cy="649287"/>
-          </a:xfrm>
-          <a:prstGeom prst="rect">
-            <a:avLst/>
-          </a:prstGeom>
-          <a:ln>
-            <a:noFill/>
-          </a:ln>
-        </p:spPr>
-        <p:txBody>
-          <a:bodyPr spcFirstLastPara="1" wrap="square" lIns="121900" tIns="121900" rIns="121900" bIns="121900" anchor="ctr" anchorCtr="0">
-            <a:noAutofit/>
-          </a:bodyPr>
-          <a:lstStyle>
-            <a:lvl1pPr algn="ctr" defTabSz="609585" rtl="0" eaLnBrk="1" latinLnBrk="0" hangingPunct="1">
-              <a:spcBef>
-                <a:spcPct val="0"/>
-              </a:spcBef>
-              <a:buNone/>
-              <a:defRPr sz="5867" kern="1200">
-                <a:solidFill>
-                  <a:schemeClr val="tx1"/>
-                </a:solidFill>
-                <a:latin typeface="+mj-lt"/>
-                <a:ea typeface="+mj-ea"/>
-                <a:cs typeface="+mj-cs"/>
-              </a:defRPr>
-            </a:lvl1pPr>
-          </a:lstStyle>
-          <a:p>
-            <a:r>
-              <a:rPr lang="en-US" sz="4400" dirty="0">
-                <a:solidFill>
-                  <a:srgbClr val="E46102"/>
-                </a:solidFill>
-              </a:rPr>
-              <a:t>m</a:t>
-            </a:r>
-          </a:p>
-        </p:txBody>
-      </p:sp>
-      <p:sp>
-        <p:nvSpPr>
-          <p:cNvPr id="5" name="Google Shape;96;p14">
-            <a:extLst>
-              <a:ext uri="{FF2B5EF4-FFF2-40B4-BE49-F238E27FC236}">
-                <a16:creationId xmlns:a16="http://schemas.microsoft.com/office/drawing/2014/main" id="{9AF559A4-0F1F-4BB7-9370-E97582222A3B}"/>
-              </a:ext>
-            </a:extLst>
-          </p:cNvPr>
-          <p:cNvSpPr txBox="1"/>
-          <p:nvPr/>
-        </p:nvSpPr>
-        <p:spPr>
-          <a:xfrm>
-            <a:off x="495301" y="1346200"/>
-            <a:ext cx="11194672" cy="5194299"/>
-          </a:xfrm>
-          <a:prstGeom prst="rect">
-            <a:avLst/>
-          </a:prstGeom>
-          <a:noFill/>
-          <a:ln>
-            <a:noFill/>
-          </a:ln>
-        </p:spPr>
-        <p:txBody>
-          <a:bodyPr spcFirstLastPara="1" wrap="square" lIns="121900" tIns="121900" rIns="121900" bIns="121900" anchor="t" anchorCtr="0">
-            <a:noAutofit/>
-          </a:bodyPr>
-          <a:lstStyle/>
-          <a:p>
-            <a:pPr marL="558798" indent="-457200">
-              <a:buSzPts val="2400"/>
-              <a:buFont typeface="Arial" panose="020B0604020202020204" pitchFamily="34" charset="0"/>
-              <a:buChar char="•"/>
-            </a:pPr>
-            <a:endParaRPr lang="en-US" sz="3200" dirty="0"/>
-          </a:p>
-        </p:txBody>
-      </p:sp>
-    </p:spTree>
-    <p:extLst>
-      <p:ext uri="{BB962C8B-B14F-4D97-AF65-F5344CB8AC3E}">
-        <p14:creationId xmlns:p14="http://schemas.microsoft.com/office/powerpoint/2010/main" val="941040251"/>
-      </p:ext>
-    </p:extLst>
-  </p:cSld>
-  <p:clrMapOvr>
-    <a:masterClrMapping/>
-  </p:clrMapOvr>
-</p:sld>
-</file>
-
-<file path=ppt/slides/slide56.xml><?xml version="1.0" encoding="utf-8"?>
 <p:sld xmlns:a="http://schemas.openxmlformats.org/drawingml/2006/main" xmlns:r="http://schemas.openxmlformats.org/officeDocument/2006/relationships" xmlns:p="http://schemas.openxmlformats.org/presentationml/2006/main">
   <p:cSld>
     <p:spTree>
@@ -20219,7 +20407,7 @@
 </p:sld>
 </file>
 
-<file path=ppt/slides/slide57.xml><?xml version="1.0" encoding="utf-8"?>
+<file path=ppt/slides/slide56.xml><?xml version="1.0" encoding="utf-8"?>
 <p:sld xmlns:a="http://schemas.openxmlformats.org/drawingml/2006/main" xmlns:r="http://schemas.openxmlformats.org/officeDocument/2006/relationships" xmlns:p="http://schemas.openxmlformats.org/presentationml/2006/main">
   <p:cSld>
     <p:spTree>

--- a/Syllabus/Lecture21/Lec21.pptx
+++ b/Syllabus/Lecture21/Lec21.pptx
@@ -1680,154 +1680,6 @@
           <a:bodyPr/>
           <a:lstStyle/>
           <a:p>
-            <a:r>
-              <a:rPr lang="en-US" sz="1600" b="1" i="1" kern="1200" dirty="0">
-                <a:solidFill>
-                  <a:schemeClr val="tx1"/>
-                </a:solidFill>
-                <a:effectLst/>
-                <a:latin typeface="+mn-lt"/>
-                <a:ea typeface="+mn-ea"/>
-                <a:cs typeface="+mn-cs"/>
-              </a:rPr>
-              <a:t>1. By noise we mean the data points that don’t really represent the true properties of your data, but random chance</a:t>
-            </a:r>
-            <a:r>
-              <a:rPr lang="en-US" sz="1600" b="0" i="0" kern="1200" dirty="0">
-                <a:solidFill>
-                  <a:schemeClr val="tx1"/>
-                </a:solidFill>
-                <a:effectLst/>
-                <a:latin typeface="+mn-lt"/>
-                <a:ea typeface="+mn-ea"/>
-                <a:cs typeface="+mn-cs"/>
-              </a:rPr>
-              <a:t>. Learning such data points, makes your model more flexible, at the risk of overfitting.</a:t>
-            </a:r>
-          </a:p>
-          <a:p>
-            <a:endParaRPr lang="en-US" sz="1600" b="0" i="0" kern="1200" dirty="0">
-              <a:solidFill>
-                <a:schemeClr val="tx1"/>
-              </a:solidFill>
-              <a:effectLst/>
-              <a:latin typeface="+mn-lt"/>
-              <a:ea typeface="+mn-ea"/>
-              <a:cs typeface="+mn-cs"/>
-            </a:endParaRPr>
-          </a:p>
-          <a:p>
-            <a:r>
-              <a:rPr lang="en-US" sz="1600" b="0" i="0" kern="1200" dirty="0">
-                <a:solidFill>
-                  <a:schemeClr val="tx1"/>
-                </a:solidFill>
-                <a:effectLst/>
-                <a:latin typeface="+mn-lt"/>
-                <a:ea typeface="+mn-ea"/>
-                <a:cs typeface="+mn-cs"/>
-              </a:rPr>
-              <a:t>2. overfit model captures unnecessary details, noise, or too specific relationships within a dataset.</a:t>
-            </a:r>
-          </a:p>
-          <a:p>
-            <a:endParaRPr lang="en-US" sz="1600" b="0" i="0" kern="1200" dirty="0">
-              <a:solidFill>
-                <a:schemeClr val="tx1"/>
-              </a:solidFill>
-              <a:effectLst/>
-              <a:latin typeface="+mn-lt"/>
-              <a:ea typeface="+mn-ea"/>
-              <a:cs typeface="+mn-cs"/>
-            </a:endParaRPr>
-          </a:p>
-          <a:p>
-            <a:r>
-              <a:rPr lang="en-US" sz="1600" b="0" i="0" kern="1200" dirty="0">
-                <a:solidFill>
-                  <a:schemeClr val="tx1"/>
-                </a:solidFill>
-                <a:effectLst/>
-                <a:latin typeface="+mn-lt"/>
-                <a:ea typeface="+mn-ea"/>
-                <a:cs typeface="+mn-cs"/>
-              </a:rPr>
-              <a:t>3. Overfitting occurs when a model fails to generalize well to the data. Thus, an overfit model is not very stable and it usually behaves unexpectedly. In general, overfitting results in poor performance on previously unseen data. Overfitting is a serious problem in machine learning. We can never trust an overfit model and put it into production. It is full of surprises, but not the ones that make you happy. The predictions might change dramatically even if there are very small changes in the feature values.</a:t>
-            </a:r>
-          </a:p>
-          <a:p>
-            <a:r>
-              <a:rPr lang="en-US" sz="1600" b="0" i="0" kern="1200" dirty="0">
-                <a:solidFill>
-                  <a:schemeClr val="tx1"/>
-                </a:solidFill>
-                <a:effectLst/>
-                <a:latin typeface="+mn-lt"/>
-                <a:ea typeface="+mn-ea"/>
-                <a:cs typeface="+mn-cs"/>
-              </a:rPr>
-              <a:t>There are some strong indicators of overfitting. If there is a substantial amount of difference between the accuracies on the training and test set, we are likely to have an overfit model. Another indicator is getting very different results with different test sets.</a:t>
-            </a:r>
-          </a:p>
-          <a:p>
-            <a:endParaRPr lang="en-US" sz="1600" b="0" i="0" kern="1200" dirty="0">
-              <a:solidFill>
-                <a:schemeClr val="tx1"/>
-              </a:solidFill>
-              <a:effectLst/>
-              <a:latin typeface="+mn-lt"/>
-              <a:ea typeface="+mn-ea"/>
-              <a:cs typeface="+mn-cs"/>
-            </a:endParaRPr>
-          </a:p>
-          <a:p>
-            <a:r>
-              <a:rPr lang="en-US" sz="1600" b="0" i="0" kern="1200" dirty="0">
-                <a:solidFill>
-                  <a:schemeClr val="tx1"/>
-                </a:solidFill>
-                <a:effectLst/>
-                <a:latin typeface="+mn-lt"/>
-                <a:ea typeface="+mn-ea"/>
-                <a:cs typeface="+mn-cs"/>
-              </a:rPr>
-              <a:t>4. Cross validation, </a:t>
-            </a:r>
-          </a:p>
-          <a:p>
-            <a:endParaRPr lang="en-US" sz="1600" b="0" i="0" kern="1200" dirty="0">
-              <a:solidFill>
-                <a:schemeClr val="tx1"/>
-              </a:solidFill>
-              <a:effectLst/>
-              <a:latin typeface="+mn-lt"/>
-              <a:ea typeface="+mn-ea"/>
-              <a:cs typeface="+mn-cs"/>
-            </a:endParaRPr>
-          </a:p>
-          <a:p>
-            <a:endParaRPr lang="en-US" sz="1600" b="0" i="0" kern="1200" dirty="0">
-              <a:solidFill>
-                <a:schemeClr val="tx1"/>
-              </a:solidFill>
-              <a:effectLst/>
-              <a:latin typeface="+mn-lt"/>
-              <a:ea typeface="+mn-ea"/>
-              <a:cs typeface="+mn-cs"/>
-            </a:endParaRPr>
-          </a:p>
-          <a:p>
-            <a:endParaRPr lang="en-US" sz="1600" b="0" i="0" kern="1200" dirty="0">
-              <a:solidFill>
-                <a:schemeClr val="tx1"/>
-              </a:solidFill>
-              <a:effectLst/>
-              <a:latin typeface="+mn-lt"/>
-              <a:ea typeface="+mn-ea"/>
-              <a:cs typeface="+mn-cs"/>
-            </a:endParaRPr>
-          </a:p>
-          <a:p>
             <a:endParaRPr lang="en-US" dirty="0"/>
           </a:p>
         </p:txBody>
@@ -1849,7 +1701,7 @@
           <a:p>
             <a:fld id="{8DCF60EF-C37D-4D44-90AD-6140AB570E45}" type="slidenum">
               <a:rPr lang="en-US" smtClean="0"/>
-              <a:t>36</a:t>
+              <a:t>35</a:t>
             </a:fld>
             <a:endParaRPr lang="en-US"/>
           </a:p>
@@ -1858,7 +1710,7 @@
     </p:spTree>
     <p:extLst>
       <p:ext uri="{BB962C8B-B14F-4D97-AF65-F5344CB8AC3E}">
-        <p14:creationId xmlns:p14="http://schemas.microsoft.com/office/powerpoint/2010/main" val="3153247989"/>
+        <p14:creationId xmlns:p14="http://schemas.microsoft.com/office/powerpoint/2010/main" val="2432820745"/>
       </p:ext>
     </p:extLst>
   </p:cSld>
@@ -1912,6 +1764,154 @@
           <a:bodyPr/>
           <a:lstStyle/>
           <a:p>
+            <a:r>
+              <a:rPr lang="en-US" sz="1600" b="1" i="1" kern="1200" dirty="0">
+                <a:solidFill>
+                  <a:schemeClr val="tx1"/>
+                </a:solidFill>
+                <a:effectLst/>
+                <a:latin typeface="+mn-lt"/>
+                <a:ea typeface="+mn-ea"/>
+                <a:cs typeface="+mn-cs"/>
+              </a:rPr>
+              <a:t>1. By noise we mean the data points that don’t really represent the true properties of your data, but random chance</a:t>
+            </a:r>
+            <a:r>
+              <a:rPr lang="en-US" sz="1600" b="0" i="0" kern="1200" dirty="0">
+                <a:solidFill>
+                  <a:schemeClr val="tx1"/>
+                </a:solidFill>
+                <a:effectLst/>
+                <a:latin typeface="+mn-lt"/>
+                <a:ea typeface="+mn-ea"/>
+                <a:cs typeface="+mn-cs"/>
+              </a:rPr>
+              <a:t>. Learning such data points, makes your model more flexible, at the risk of overfitting.</a:t>
+            </a:r>
+          </a:p>
+          <a:p>
+            <a:endParaRPr lang="en-US" sz="1600" b="0" i="0" kern="1200" dirty="0">
+              <a:solidFill>
+                <a:schemeClr val="tx1"/>
+              </a:solidFill>
+              <a:effectLst/>
+              <a:latin typeface="+mn-lt"/>
+              <a:ea typeface="+mn-ea"/>
+              <a:cs typeface="+mn-cs"/>
+            </a:endParaRPr>
+          </a:p>
+          <a:p>
+            <a:r>
+              <a:rPr lang="en-US" sz="1600" b="0" i="0" kern="1200" dirty="0">
+                <a:solidFill>
+                  <a:schemeClr val="tx1"/>
+                </a:solidFill>
+                <a:effectLst/>
+                <a:latin typeface="+mn-lt"/>
+                <a:ea typeface="+mn-ea"/>
+                <a:cs typeface="+mn-cs"/>
+              </a:rPr>
+              <a:t>2. overfit model captures unnecessary details, noise, or too specific relationships within a dataset.</a:t>
+            </a:r>
+          </a:p>
+          <a:p>
+            <a:endParaRPr lang="en-US" sz="1600" b="0" i="0" kern="1200" dirty="0">
+              <a:solidFill>
+                <a:schemeClr val="tx1"/>
+              </a:solidFill>
+              <a:effectLst/>
+              <a:latin typeface="+mn-lt"/>
+              <a:ea typeface="+mn-ea"/>
+              <a:cs typeface="+mn-cs"/>
+            </a:endParaRPr>
+          </a:p>
+          <a:p>
+            <a:r>
+              <a:rPr lang="en-US" sz="1600" b="0" i="0" kern="1200" dirty="0">
+                <a:solidFill>
+                  <a:schemeClr val="tx1"/>
+                </a:solidFill>
+                <a:effectLst/>
+                <a:latin typeface="+mn-lt"/>
+                <a:ea typeface="+mn-ea"/>
+                <a:cs typeface="+mn-cs"/>
+              </a:rPr>
+              <a:t>3. Overfitting occurs when a model fails to generalize well to the data. Thus, an overfit model is not very stable and it usually behaves unexpectedly. In general, overfitting results in poor performance on previously unseen data. Overfitting is a serious problem in machine learning. We can never trust an overfit model and put it into production. It is full of surprises, but not the ones that make you happy. The predictions might change dramatically even if there are very small changes in the feature values.</a:t>
+            </a:r>
+          </a:p>
+          <a:p>
+            <a:r>
+              <a:rPr lang="en-US" sz="1600" b="0" i="0" kern="1200" dirty="0">
+                <a:solidFill>
+                  <a:schemeClr val="tx1"/>
+                </a:solidFill>
+                <a:effectLst/>
+                <a:latin typeface="+mn-lt"/>
+                <a:ea typeface="+mn-ea"/>
+                <a:cs typeface="+mn-cs"/>
+              </a:rPr>
+              <a:t>There are some strong indicators of overfitting. If there is a substantial amount of difference between the accuracies on the training and test set, we are likely to have an overfit model. Another indicator is getting very different results with different test sets.</a:t>
+            </a:r>
+          </a:p>
+          <a:p>
+            <a:endParaRPr lang="en-US" sz="1600" b="0" i="0" kern="1200" dirty="0">
+              <a:solidFill>
+                <a:schemeClr val="tx1"/>
+              </a:solidFill>
+              <a:effectLst/>
+              <a:latin typeface="+mn-lt"/>
+              <a:ea typeface="+mn-ea"/>
+              <a:cs typeface="+mn-cs"/>
+            </a:endParaRPr>
+          </a:p>
+          <a:p>
+            <a:r>
+              <a:rPr lang="en-US" sz="1600" b="0" i="0" kern="1200" dirty="0">
+                <a:solidFill>
+                  <a:schemeClr val="tx1"/>
+                </a:solidFill>
+                <a:effectLst/>
+                <a:latin typeface="+mn-lt"/>
+                <a:ea typeface="+mn-ea"/>
+                <a:cs typeface="+mn-cs"/>
+              </a:rPr>
+              <a:t>4. Cross validation, </a:t>
+            </a:r>
+          </a:p>
+          <a:p>
+            <a:endParaRPr lang="en-US" sz="1600" b="0" i="0" kern="1200" dirty="0">
+              <a:solidFill>
+                <a:schemeClr val="tx1"/>
+              </a:solidFill>
+              <a:effectLst/>
+              <a:latin typeface="+mn-lt"/>
+              <a:ea typeface="+mn-ea"/>
+              <a:cs typeface="+mn-cs"/>
+            </a:endParaRPr>
+          </a:p>
+          <a:p>
+            <a:endParaRPr lang="en-US" sz="1600" b="0" i="0" kern="1200" dirty="0">
+              <a:solidFill>
+                <a:schemeClr val="tx1"/>
+              </a:solidFill>
+              <a:effectLst/>
+              <a:latin typeface="+mn-lt"/>
+              <a:ea typeface="+mn-ea"/>
+              <a:cs typeface="+mn-cs"/>
+            </a:endParaRPr>
+          </a:p>
+          <a:p>
+            <a:endParaRPr lang="en-US" sz="1600" b="0" i="0" kern="1200" dirty="0">
+              <a:solidFill>
+                <a:schemeClr val="tx1"/>
+              </a:solidFill>
+              <a:effectLst/>
+              <a:latin typeface="+mn-lt"/>
+              <a:ea typeface="+mn-ea"/>
+              <a:cs typeface="+mn-cs"/>
+            </a:endParaRPr>
+          </a:p>
+          <a:p>
             <a:endParaRPr lang="en-US" dirty="0"/>
           </a:p>
         </p:txBody>
@@ -1933,7 +1933,7 @@
           <a:p>
             <a:fld id="{8DCF60EF-C37D-4D44-90AD-6140AB570E45}" type="slidenum">
               <a:rPr lang="en-US" smtClean="0"/>
-              <a:t>37</a:t>
+              <a:t>36</a:t>
             </a:fld>
             <a:endParaRPr lang="en-US"/>
           </a:p>
@@ -1942,7 +1942,7 @@
     </p:spTree>
     <p:extLst>
       <p:ext uri="{BB962C8B-B14F-4D97-AF65-F5344CB8AC3E}">
-        <p14:creationId xmlns:p14="http://schemas.microsoft.com/office/powerpoint/2010/main" val="3152302391"/>
+        <p14:creationId xmlns:p14="http://schemas.microsoft.com/office/powerpoint/2010/main" val="3153247989"/>
       </p:ext>
     </p:extLst>
   </p:cSld>
@@ -1953,11 +1953,11 @@
 </file>
 
 <file path=ppt/notesSlides/notesSlide19.xml><?xml version="1.0" encoding="utf-8"?>
-<p:notes xmlns:a="http://schemas.openxmlformats.org/drawingml/2006/main" xmlns:r="http://schemas.openxmlformats.org/officeDocument/2006/relationships" xmlns:p="http://schemas.openxmlformats.org/presentationml/2006/main" showMasterSp="0" showMasterPhAnim="0">
+<p:notes xmlns:a="http://schemas.openxmlformats.org/drawingml/2006/main" xmlns:r="http://schemas.openxmlformats.org/officeDocument/2006/relationships" xmlns:p="http://schemas.openxmlformats.org/presentationml/2006/main">
   <p:cSld>
     <p:spTree>
       <p:nvGrpSpPr>
-        <p:cNvPr id="1" name="Shape 91"/>
+        <p:cNvPr id="1" name=""/>
         <p:cNvGrpSpPr/>
         <p:nvPr/>
       </p:nvGrpSpPr>
@@ -1971,87 +1971,62 @@
       </p:grpSpPr>
       <p:sp>
         <p:nvSpPr>
-          <p:cNvPr id="92" name="Google Shape;92;g921be16503_9_0:notes"/>
+          <p:cNvPr id="2" name="Slide Image Placeholder 1"/>
           <p:cNvSpPr>
             <a:spLocks noGrp="1" noRot="1" noChangeAspect="1"/>
           </p:cNvSpPr>
           <p:nvPr>
-            <p:ph type="sldImg" idx="2"/>
+            <p:ph type="sldImg"/>
           </p:nvPr>
         </p:nvSpPr>
-        <p:spPr>
-          <a:xfrm>
-            <a:off x="381000" y="685800"/>
-            <a:ext cx="6096000" cy="3429000"/>
-          </a:xfrm>
-          <a:custGeom>
-            <a:avLst/>
-            <a:gdLst/>
-            <a:ahLst/>
-            <a:cxnLst/>
-            <a:rect l="l" t="t" r="r" b="b"/>
-            <a:pathLst>
-              <a:path w="120000" h="120000" extrusionOk="0">
-                <a:moveTo>
-                  <a:pt x="0" y="0"/>
-                </a:moveTo>
-                <a:lnTo>
-                  <a:pt x="120000" y="0"/>
-                </a:lnTo>
-                <a:lnTo>
-                  <a:pt x="120000" y="120000"/>
-                </a:lnTo>
-                <a:lnTo>
-                  <a:pt x="0" y="120000"/>
-                </a:lnTo>
-                <a:close/>
-              </a:path>
-            </a:pathLst>
-          </a:custGeom>
-        </p:spPr>
+        <p:spPr/>
       </p:sp>
       <p:sp>
         <p:nvSpPr>
-          <p:cNvPr id="93" name="Google Shape;93;g921be16503_9_0:notes"/>
-          <p:cNvSpPr txBox="1">
+          <p:cNvPr id="3" name="Notes Placeholder 2"/>
+          <p:cNvSpPr>
             <a:spLocks noGrp="1"/>
           </p:cNvSpPr>
           <p:nvPr>
             <p:ph type="body" idx="1"/>
           </p:nvPr>
         </p:nvSpPr>
-        <p:spPr>
-          <a:xfrm>
-            <a:off x="685800" y="4343400"/>
-            <a:ext cx="5486400" cy="4114800"/>
-          </a:xfrm>
-          <a:prstGeom prst="rect">
-            <a:avLst/>
-          </a:prstGeom>
-        </p:spPr>
+        <p:spPr/>
         <p:txBody>
-          <a:bodyPr spcFirstLastPara="1" wrap="square" lIns="91425" tIns="91425" rIns="91425" bIns="91425" anchor="t" anchorCtr="0">
-            <a:noAutofit/>
-          </a:bodyPr>
+          <a:bodyPr/>
           <a:lstStyle/>
           <a:p>
-            <a:pPr marL="0" lvl="0" indent="0" algn="l" rtl="0">
-              <a:spcBef>
-                <a:spcPts val="0"/>
-              </a:spcBef>
-              <a:spcAft>
-                <a:spcPts val="0"/>
-              </a:spcAft>
-              <a:buNone/>
-            </a:pPr>
             <a:endParaRPr lang="en-US" dirty="0"/>
+          </a:p>
+        </p:txBody>
+      </p:sp>
+      <p:sp>
+        <p:nvSpPr>
+          <p:cNvPr id="4" name="Slide Number Placeholder 3"/>
+          <p:cNvSpPr>
+            <a:spLocks noGrp="1"/>
+          </p:cNvSpPr>
+          <p:nvPr>
+            <p:ph type="sldNum" sz="quarter" idx="5"/>
+          </p:nvPr>
+        </p:nvSpPr>
+        <p:spPr/>
+        <p:txBody>
+          <a:bodyPr/>
+          <a:lstStyle/>
+          <a:p>
+            <a:fld id="{8DCF60EF-C37D-4D44-90AD-6140AB570E45}" type="slidenum">
+              <a:rPr lang="en-US" smtClean="0"/>
+              <a:t>37</a:t>
+            </a:fld>
+            <a:endParaRPr lang="en-US"/>
           </a:p>
         </p:txBody>
       </p:sp>
     </p:spTree>
     <p:extLst>
       <p:ext uri="{BB962C8B-B14F-4D97-AF65-F5344CB8AC3E}">
-        <p14:creationId xmlns:p14="http://schemas.microsoft.com/office/powerpoint/2010/main" val="2700905472"/>
+        <p14:creationId xmlns:p14="http://schemas.microsoft.com/office/powerpoint/2010/main" val="3152302391"/>
       </p:ext>
     </p:extLst>
   </p:cSld>
@@ -2171,6 +2146,115 @@
 </file>
 
 <file path=ppt/notesSlides/notesSlide20.xml><?xml version="1.0" encoding="utf-8"?>
+<p:notes xmlns:a="http://schemas.openxmlformats.org/drawingml/2006/main" xmlns:r="http://schemas.openxmlformats.org/officeDocument/2006/relationships" xmlns:p="http://schemas.openxmlformats.org/presentationml/2006/main" showMasterSp="0" showMasterPhAnim="0">
+  <p:cSld>
+    <p:spTree>
+      <p:nvGrpSpPr>
+        <p:cNvPr id="1" name="Shape 91"/>
+        <p:cNvGrpSpPr/>
+        <p:nvPr/>
+      </p:nvGrpSpPr>
+      <p:grpSpPr>
+        <a:xfrm>
+          <a:off x="0" y="0"/>
+          <a:ext cx="0" cy="0"/>
+          <a:chOff x="0" y="0"/>
+          <a:chExt cx="0" cy="0"/>
+        </a:xfrm>
+      </p:grpSpPr>
+      <p:sp>
+        <p:nvSpPr>
+          <p:cNvPr id="92" name="Google Shape;92;g921be16503_9_0:notes"/>
+          <p:cNvSpPr>
+            <a:spLocks noGrp="1" noRot="1" noChangeAspect="1"/>
+          </p:cNvSpPr>
+          <p:nvPr>
+            <p:ph type="sldImg" idx="2"/>
+          </p:nvPr>
+        </p:nvSpPr>
+        <p:spPr>
+          <a:xfrm>
+            <a:off x="381000" y="685800"/>
+            <a:ext cx="6096000" cy="3429000"/>
+          </a:xfrm>
+          <a:custGeom>
+            <a:avLst/>
+            <a:gdLst/>
+            <a:ahLst/>
+            <a:cxnLst/>
+            <a:rect l="l" t="t" r="r" b="b"/>
+            <a:pathLst>
+              <a:path w="120000" h="120000" extrusionOk="0">
+                <a:moveTo>
+                  <a:pt x="0" y="0"/>
+                </a:moveTo>
+                <a:lnTo>
+                  <a:pt x="120000" y="0"/>
+                </a:lnTo>
+                <a:lnTo>
+                  <a:pt x="120000" y="120000"/>
+                </a:lnTo>
+                <a:lnTo>
+                  <a:pt x="0" y="120000"/>
+                </a:lnTo>
+                <a:close/>
+              </a:path>
+            </a:pathLst>
+          </a:custGeom>
+        </p:spPr>
+      </p:sp>
+      <p:sp>
+        <p:nvSpPr>
+          <p:cNvPr id="93" name="Google Shape;93;g921be16503_9_0:notes"/>
+          <p:cNvSpPr txBox="1">
+            <a:spLocks noGrp="1"/>
+          </p:cNvSpPr>
+          <p:nvPr>
+            <p:ph type="body" idx="1"/>
+          </p:nvPr>
+        </p:nvSpPr>
+        <p:spPr>
+          <a:xfrm>
+            <a:off x="685800" y="4343400"/>
+            <a:ext cx="5486400" cy="4114800"/>
+          </a:xfrm>
+          <a:prstGeom prst="rect">
+            <a:avLst/>
+          </a:prstGeom>
+        </p:spPr>
+        <p:txBody>
+          <a:bodyPr spcFirstLastPara="1" wrap="square" lIns="91425" tIns="91425" rIns="91425" bIns="91425" anchor="t" anchorCtr="0">
+            <a:noAutofit/>
+          </a:bodyPr>
+          <a:lstStyle/>
+          <a:p>
+            <a:pPr marL="0" lvl="0" indent="0" algn="l" rtl="0">
+              <a:spcBef>
+                <a:spcPts val="0"/>
+              </a:spcBef>
+              <a:spcAft>
+                <a:spcPts val="0"/>
+              </a:spcAft>
+              <a:buNone/>
+            </a:pPr>
+            <a:endParaRPr lang="en-US" dirty="0"/>
+          </a:p>
+        </p:txBody>
+      </p:sp>
+    </p:spTree>
+    <p:extLst>
+      <p:ext uri="{BB962C8B-B14F-4D97-AF65-F5344CB8AC3E}">
+        <p14:creationId xmlns:p14="http://schemas.microsoft.com/office/powerpoint/2010/main" val="2700905472"/>
+      </p:ext>
+    </p:extLst>
+  </p:cSld>
+  <p:clrMapOvr>
+    <a:masterClrMapping/>
+  </p:clrMapOvr>
+</p:notes>
+</file>
+
+<file path=ppt/notesSlides/notesSlide21.xml><?xml version="1.0" encoding="utf-8"?>
 <p:notes xmlns:a="http://schemas.openxmlformats.org/drawingml/2006/main" xmlns:r="http://schemas.openxmlformats.org/officeDocument/2006/relationships" xmlns:p="http://schemas.openxmlformats.org/presentationml/2006/main" showMasterSp="0" showMasterPhAnim="0">
   <p:cSld>
     <p:spTree>
@@ -15399,7 +15483,7 @@
           <p:nvPr/>
         </p:nvPicPr>
         <p:blipFill>
-          <a:blip r:embed="rId2">
+          <a:blip r:embed="rId3">
             <a:extLst>
               <a:ext uri="{28A0092B-C50C-407E-A947-70E740481C1C}">
                 <a14:useLocalDpi xmlns:a14="http://schemas.microsoft.com/office/drawing/2010/main" val="0"/>
